--- a/05 - JS Back-End/02 - NodeJS Streams and Utilities/00 - Presentation/02. NodeJS-Streams-and-Utilities.pptx
+++ b/05 - JS Back-End/02 - NodeJS Streams and Utilities/00 - Presentation/02. NodeJS-Streams-and-Utilities.pptx
@@ -337,7 +337,7 @@
             <a:fld id="{4E087215-0C8F-4762-A664-737A353EC9A4}" type="datetimeFigureOut">
               <a:rPr lang="bg-BG" smtClean="0"/>
               <a:pPr/>
-              <a:t>17.5.2021 г.</a:t>
+              <a:t>20.5.2021 г.</a:t>
             </a:fld>
             <a:endParaRPr lang="bg-BG"/>
           </a:p>
@@ -530,7 +530,7 @@
             <a:fld id="{72D84649-876A-46C9-8472-14CB09C070D8}" type="datetimeFigureOut">
               <a:rPr lang="en-US" smtClean="0"/>
               <a:pPr/>
-              <a:t>5/17/2021</a:t>
+              <a:t>20-May-21</a:t>
             </a:fld>
             <a:endParaRPr lang="en-US"/>
           </a:p>
@@ -33134,19 +33134,6 @@
               </a:rPr>
               <a:t>});</a:t>
             </a:r>
-            <a:r>
-              <a:rPr lang="bg-BG" sz="2400" dirty="0">
-                <a:solidFill>
-                  <a:schemeClr val="tx2"/>
-                </a:solidFill>
-              </a:rPr>
-              <a:t>Ч</a:t>
-            </a:r>
-            <a:endParaRPr lang="en-US" sz="2400" dirty="0">
-              <a:solidFill>
-                <a:schemeClr val="tx2"/>
-              </a:solidFill>
-            </a:endParaRPr>
           </a:p>
         </p:txBody>
       </p:sp>
